--- a/slides/07-schoebitz-lars-why.pptx
+++ b/slides/07-schoebitz-lars-why.pptx
@@ -6,7 +6,6 @@
   </p:sldMasterIdLst>
   <p:sldIdLst>
     <p:sldId id="256" r:id="rId2"/>
-    <p:sldId id="257" r:id="rId3"/>
   </p:sldIdLst>
   <p:sldSz cx="12192000" cy="6858000"/>
   <p:notesSz cx="6858000" cy="9144000"/>
@@ -3345,10 +3344,10 @@
       </p:grpSpPr>
       <p:pic>
         <p:nvPicPr>
-          <p:cNvPr id="5" name="Picture 4" descr="A close-up of a business card&#10;&#10;Description automatically generated">
-            <a:extLst>
-              <a:ext uri="{FF2B5EF4-FFF2-40B4-BE49-F238E27FC236}">
-                <a16:creationId xmlns:a16="http://schemas.microsoft.com/office/drawing/2014/main" id="{7AD80C82-9DF6-476A-6E8E-03BAD32CAA31}"/>
+          <p:cNvPr id="11" name="Picture 10" descr="A qr code with a black and white background&#10;&#10;Description automatically generated">
+            <a:extLst>
+              <a:ext uri="{FF2B5EF4-FFF2-40B4-BE49-F238E27FC236}">
+                <a16:creationId xmlns:a16="http://schemas.microsoft.com/office/drawing/2014/main" id="{2C74730D-3A6B-95E9-25E3-8623252EA481}"/>
               </a:ext>
             </a:extLst>
           </p:cNvPr>
@@ -3365,8 +3364,8 @@
         </p:blipFill>
         <p:spPr>
           <a:xfrm>
-            <a:off x="0" y="0"/>
-            <a:ext cx="12192000" cy="6864626"/>
+            <a:off x="857315" y="4400124"/>
+            <a:ext cx="1460500" cy="2159000"/>
           </a:xfrm>
           <a:prstGeom prst="rect">
             <a:avLst/>
@@ -3377,66 +3376,6 @@
     <p:extLst>
       <p:ext uri="{BB962C8B-B14F-4D97-AF65-F5344CB8AC3E}">
         <p14:creationId xmlns:p14="http://schemas.microsoft.com/office/powerpoint/2010/main" val="710362859"/>
-      </p:ext>
-    </p:extLst>
-  </p:cSld>
-  <p:clrMapOvr>
-    <a:masterClrMapping/>
-  </p:clrMapOvr>
-</p:sld>
-</file>
-
-<file path=ppt/slides/slide2.xml><?xml version="1.0" encoding="utf-8"?>
-<p:sld xmlns:a="http://schemas.openxmlformats.org/drawingml/2006/main" xmlns:r="http://schemas.openxmlformats.org/officeDocument/2006/relationships" xmlns:p="http://schemas.openxmlformats.org/presentationml/2006/main">
-  <p:cSld>
-    <p:spTree>
-      <p:nvGrpSpPr>
-        <p:cNvPr id="1" name=""/>
-        <p:cNvGrpSpPr/>
-        <p:nvPr/>
-      </p:nvGrpSpPr>
-      <p:grpSpPr>
-        <a:xfrm>
-          <a:off x="0" y="0"/>
-          <a:ext cx="0" cy="0"/>
-          <a:chOff x="0" y="0"/>
-          <a:chExt cx="0" cy="0"/>
-        </a:xfrm>
-      </p:grpSpPr>
-      <p:pic>
-        <p:nvPicPr>
-          <p:cNvPr id="7" name="Picture 6" descr="A screenshot of a computer&#10;&#10;Description automatically generated">
-            <a:extLst>
-              <a:ext uri="{FF2B5EF4-FFF2-40B4-BE49-F238E27FC236}">
-                <a16:creationId xmlns:a16="http://schemas.microsoft.com/office/drawing/2014/main" id="{D5A6687B-F8C5-842C-1DA1-479BB261B0C7}"/>
-              </a:ext>
-            </a:extLst>
-          </p:cNvPr>
-          <p:cNvPicPr>
-            <a:picLocks noChangeAspect="1"/>
-          </p:cNvPicPr>
-          <p:nvPr/>
-        </p:nvPicPr>
-        <p:blipFill>
-          <a:blip r:embed="rId2"/>
-          <a:stretch>
-            <a:fillRect/>
-          </a:stretch>
-        </p:blipFill>
-        <p:spPr>
-          <a:xfrm>
-            <a:off x="0" y="0"/>
-            <a:ext cx="12192000" cy="6864626"/>
-          </a:xfrm>
-          <a:prstGeom prst="rect">
-            <a:avLst/>
-          </a:prstGeom>
-        </p:spPr>
-      </p:pic>
-    </p:spTree>
-    <p:extLst>
-      <p:ext uri="{BB962C8B-B14F-4D97-AF65-F5344CB8AC3E}">
-        <p14:creationId xmlns:p14="http://schemas.microsoft.com/office/powerpoint/2010/main" val="1677887968"/>
       </p:ext>
     </p:extLst>
   </p:cSld>
